--- a/tags.pptx
+++ b/tags.pptx
@@ -259,7 +259,7 @@
           <a:p>
             <a:fld id="{333B335D-A347-8E4B-BEED-D4573D7D9FDC}" type="datetimeFigureOut">
               <a:rPr lang="en-US" smtClean="0"/>
-              <a:t>8/7/25</a:t>
+              <a:t>8/15/25</a:t>
             </a:fld>
             <a:endParaRPr lang="en-US"/>
           </a:p>
@@ -457,7 +457,7 @@
           <a:p>
             <a:fld id="{333B335D-A347-8E4B-BEED-D4573D7D9FDC}" type="datetimeFigureOut">
               <a:rPr lang="en-US" smtClean="0"/>
-              <a:t>8/7/25</a:t>
+              <a:t>8/15/25</a:t>
             </a:fld>
             <a:endParaRPr lang="en-US"/>
           </a:p>
@@ -665,7 +665,7 @@
           <a:p>
             <a:fld id="{333B335D-A347-8E4B-BEED-D4573D7D9FDC}" type="datetimeFigureOut">
               <a:rPr lang="en-US" smtClean="0"/>
-              <a:t>8/7/25</a:t>
+              <a:t>8/15/25</a:t>
             </a:fld>
             <a:endParaRPr lang="en-US"/>
           </a:p>
@@ -863,7 +863,7 @@
           <a:p>
             <a:fld id="{333B335D-A347-8E4B-BEED-D4573D7D9FDC}" type="datetimeFigureOut">
               <a:rPr lang="en-US" smtClean="0"/>
-              <a:t>8/7/25</a:t>
+              <a:t>8/15/25</a:t>
             </a:fld>
             <a:endParaRPr lang="en-US"/>
           </a:p>
@@ -1138,7 +1138,7 @@
           <a:p>
             <a:fld id="{333B335D-A347-8E4B-BEED-D4573D7D9FDC}" type="datetimeFigureOut">
               <a:rPr lang="en-US" smtClean="0"/>
-              <a:t>8/7/25</a:t>
+              <a:t>8/15/25</a:t>
             </a:fld>
             <a:endParaRPr lang="en-US"/>
           </a:p>
@@ -1403,7 +1403,7 @@
           <a:p>
             <a:fld id="{333B335D-A347-8E4B-BEED-D4573D7D9FDC}" type="datetimeFigureOut">
               <a:rPr lang="en-US" smtClean="0"/>
-              <a:t>8/7/25</a:t>
+              <a:t>8/15/25</a:t>
             </a:fld>
             <a:endParaRPr lang="en-US"/>
           </a:p>
@@ -1815,7 +1815,7 @@
           <a:p>
             <a:fld id="{333B335D-A347-8E4B-BEED-D4573D7D9FDC}" type="datetimeFigureOut">
               <a:rPr lang="en-US" smtClean="0"/>
-              <a:t>8/7/25</a:t>
+              <a:t>8/15/25</a:t>
             </a:fld>
             <a:endParaRPr lang="en-US"/>
           </a:p>
@@ -1956,7 +1956,7 @@
           <a:p>
             <a:fld id="{333B335D-A347-8E4B-BEED-D4573D7D9FDC}" type="datetimeFigureOut">
               <a:rPr lang="en-US" smtClean="0"/>
-              <a:t>8/7/25</a:t>
+              <a:t>8/15/25</a:t>
             </a:fld>
             <a:endParaRPr lang="en-US"/>
           </a:p>
@@ -2069,7 +2069,7 @@
           <a:p>
             <a:fld id="{333B335D-A347-8E4B-BEED-D4573D7D9FDC}" type="datetimeFigureOut">
               <a:rPr lang="en-US" smtClean="0"/>
-              <a:t>8/7/25</a:t>
+              <a:t>8/15/25</a:t>
             </a:fld>
             <a:endParaRPr lang="en-US"/>
           </a:p>
@@ -2380,7 +2380,7 @@
           <a:p>
             <a:fld id="{333B335D-A347-8E4B-BEED-D4573D7D9FDC}" type="datetimeFigureOut">
               <a:rPr lang="en-US" smtClean="0"/>
-              <a:t>8/7/25</a:t>
+              <a:t>8/15/25</a:t>
             </a:fld>
             <a:endParaRPr lang="en-US"/>
           </a:p>
@@ -2668,7 +2668,7 @@
           <a:p>
             <a:fld id="{333B335D-A347-8E4B-BEED-D4573D7D9FDC}" type="datetimeFigureOut">
               <a:rPr lang="en-US" smtClean="0"/>
-              <a:t>8/7/25</a:t>
+              <a:t>8/15/25</a:t>
             </a:fld>
             <a:endParaRPr lang="en-US"/>
           </a:p>
@@ -2909,7 +2909,7 @@
           <a:p>
             <a:fld id="{333B335D-A347-8E4B-BEED-D4573D7D9FDC}" type="datetimeFigureOut">
               <a:rPr lang="en-US" smtClean="0"/>
-              <a:t>8/7/25</a:t>
+              <a:t>8/15/25</a:t>
             </a:fld>
             <a:endParaRPr lang="en-US"/>
           </a:p>
@@ -3340,8 +3340,8 @@
         </p:nvSpPr>
         <p:spPr>
           <a:xfrm>
-            <a:off x="0" y="0"/>
-            <a:ext cx="12192000" cy="7115505"/>
+            <a:off x="-1040524" y="0"/>
+            <a:ext cx="14441214" cy="7115505"/>
           </a:xfrm>
           <a:prstGeom prst="rect">
             <a:avLst/>
